--- a/Reference/控制系统简介.pptx
+++ b/Reference/控制系统简介.pptx
@@ -205,7 +205,7 @@
           <a:p>
             <a:fld id="{8D297D57-D56B-4A50-AF41-DBCB17F312AF}" type="datetimeFigureOut">
               <a:rPr lang="zh-CN" altLang="en-US" smtClean="0"/>
-              <a:t>2019/10/30</a:t>
+              <a:t>2019/10/31</a:t>
             </a:fld>
             <a:endParaRPr lang="zh-CN" altLang="en-US"/>
           </a:p>
@@ -1254,7 +1254,7 @@
           <a:p>
             <a:fld id="{1CB8F02B-8F43-4D4B-932B-92A45B618847}" type="datetime1">
               <a:rPr lang="zh-CN" altLang="en-US" smtClean="0"/>
-              <a:t>2019/10/30</a:t>
+              <a:t>2019/10/31</a:t>
             </a:fld>
             <a:endParaRPr lang="zh-CN" altLang="en-US"/>
           </a:p>
@@ -1424,7 +1424,7 @@
           <a:p>
             <a:fld id="{9E3C1B10-0031-4539-B722-BA67617AA5F1}" type="datetime1">
               <a:rPr lang="zh-CN" altLang="en-US" smtClean="0"/>
-              <a:t>2019/10/30</a:t>
+              <a:t>2019/10/31</a:t>
             </a:fld>
             <a:endParaRPr lang="zh-CN" altLang="en-US"/>
           </a:p>
@@ -1604,7 +1604,7 @@
           <a:p>
             <a:fld id="{4386A919-EBB1-4CD4-8535-2ADF59CF6D1F}" type="datetime1">
               <a:rPr lang="zh-CN" altLang="en-US" smtClean="0"/>
-              <a:t>2019/10/30</a:t>
+              <a:t>2019/10/31</a:t>
             </a:fld>
             <a:endParaRPr lang="zh-CN" altLang="en-US"/>
           </a:p>
@@ -1774,7 +1774,7 @@
           <a:p>
             <a:fld id="{7EFCBF40-4689-4C4C-B70E-D8939538CF61}" type="datetime1">
               <a:rPr lang="zh-CN" altLang="en-US" smtClean="0"/>
-              <a:t>2019/10/30</a:t>
+              <a:t>2019/10/31</a:t>
             </a:fld>
             <a:endParaRPr lang="zh-CN" altLang="en-US"/>
           </a:p>
@@ -2018,7 +2018,7 @@
           <a:p>
             <a:fld id="{E16276D4-B7F5-4439-AA5A-7E6205831E93}" type="datetime1">
               <a:rPr lang="zh-CN" altLang="en-US" smtClean="0"/>
-              <a:t>2019/10/30</a:t>
+              <a:t>2019/10/31</a:t>
             </a:fld>
             <a:endParaRPr lang="zh-CN" altLang="en-US"/>
           </a:p>
@@ -2250,7 +2250,7 @@
           <a:p>
             <a:fld id="{A08BE42E-A4E9-40BC-B3CD-EF20CE5719D3}" type="datetime1">
               <a:rPr lang="zh-CN" altLang="en-US" smtClean="0"/>
-              <a:t>2019/10/30</a:t>
+              <a:t>2019/10/31</a:t>
             </a:fld>
             <a:endParaRPr lang="zh-CN" altLang="en-US"/>
           </a:p>
@@ -2617,7 +2617,7 @@
           <a:p>
             <a:fld id="{513975AE-B7D4-4FF6-9669-A9A1E12047AB}" type="datetime1">
               <a:rPr lang="zh-CN" altLang="en-US" smtClean="0"/>
-              <a:t>2019/10/30</a:t>
+              <a:t>2019/10/31</a:t>
             </a:fld>
             <a:endParaRPr lang="zh-CN" altLang="en-US"/>
           </a:p>
@@ -2735,7 +2735,7 @@
           <a:p>
             <a:fld id="{4E025585-3233-44D7-9A73-AEC6FEC5D1DA}" type="datetime1">
               <a:rPr lang="zh-CN" altLang="en-US" smtClean="0"/>
-              <a:t>2019/10/30</a:t>
+              <a:t>2019/10/31</a:t>
             </a:fld>
             <a:endParaRPr lang="zh-CN" altLang="en-US"/>
           </a:p>
@@ -2830,7 +2830,7 @@
           <a:p>
             <a:fld id="{C05706BA-FDBC-483D-BB9F-26766769A37C}" type="datetime1">
               <a:rPr lang="zh-CN" altLang="en-US" smtClean="0"/>
-              <a:t>2019/10/30</a:t>
+              <a:t>2019/10/31</a:t>
             </a:fld>
             <a:endParaRPr lang="zh-CN" altLang="en-US"/>
           </a:p>
@@ -3107,7 +3107,7 @@
           <a:p>
             <a:fld id="{8AB5DF03-0064-4805-B018-392A5669365B}" type="datetime1">
               <a:rPr lang="zh-CN" altLang="en-US" smtClean="0"/>
-              <a:t>2019/10/30</a:t>
+              <a:t>2019/10/31</a:t>
             </a:fld>
             <a:endParaRPr lang="zh-CN" altLang="en-US"/>
           </a:p>
@@ -3364,7 +3364,7 @@
           <a:p>
             <a:fld id="{548BD889-40FD-420F-99C1-4372530E9D04}" type="datetime1">
               <a:rPr lang="zh-CN" altLang="en-US" smtClean="0"/>
-              <a:t>2019/10/30</a:t>
+              <a:t>2019/10/31</a:t>
             </a:fld>
             <a:endParaRPr lang="zh-CN" altLang="en-US"/>
           </a:p>
@@ -3577,7 +3577,7 @@
           <a:p>
             <a:fld id="{EF3AE1DF-43C6-44C5-97CB-AECF411A099E}" type="datetime1">
               <a:rPr lang="zh-CN" altLang="en-US" smtClean="0"/>
-              <a:t>2019/10/30</a:t>
+              <a:t>2019/10/31</a:t>
             </a:fld>
             <a:endParaRPr lang="zh-CN" altLang="en-US"/>
           </a:p>
@@ -4210,14 +4210,14 @@
           <p:nvPr>
             <p:extLst>
               <p:ext uri="{D42A27DB-BD31-4B8C-83A1-F6EECF244321}">
-                <p14:modId xmlns:p14="http://schemas.microsoft.com/office/powerpoint/2010/main" val="2475476147"/>
+                <p14:modId xmlns:p14="http://schemas.microsoft.com/office/powerpoint/2010/main" val="853065334"/>
               </p:ext>
             </p:extLst>
           </p:nvPr>
         </p:nvGraphicFramePr>
         <p:xfrm>
-          <a:off x="2410817" y="3909271"/>
-          <a:ext cx="4322357" cy="1847733"/>
+          <a:off x="2410817" y="4077359"/>
+          <a:ext cx="4322357" cy="1220476"/>
         </p:xfrm>
         <a:graphic>
           <a:graphicData uri="http://schemas.openxmlformats.org/drawingml/2006/table">
@@ -4431,187 +4431,6 @@
                   </a:ext>
                 </a:extLst>
               </a:tr>
-              <a:tr h="627257">
-                <a:tc>
-                  <a:txBody>
-                    <a:bodyPr/>
-                    <a:lstStyle/>
-                    <a:p>
-                      <a:pPr algn="dist"/>
-                      <a:r>
-                        <a:rPr lang="zh-CN" altLang="en-US" sz="2800" b="1" i="0" baseline="0" dirty="0">
-                          <a:solidFill>
-                            <a:srgbClr val="002060"/>
-                          </a:solidFill>
-                          <a:latin typeface="Georgia" panose="02040502050405020303" pitchFamily="18" charset="0"/>
-                          <a:ea typeface="微软雅黑" panose="020B0503020204020204" pitchFamily="34" charset="-122"/>
-                        </a:rPr>
-                        <a:t>指导老师</a:t>
-                      </a:r>
-                    </a:p>
-                  </a:txBody>
-                  <a:tcPr>
-                    <a:lnL w="12700" cap="flat" cmpd="sng" algn="ctr">
-                      <a:noFill/>
-                      <a:prstDash val="solid"/>
-                      <a:round/>
-                      <a:headEnd type="none" w="med" len="med"/>
-                      <a:tailEnd type="none" w="med" len="med"/>
-                    </a:lnL>
-                    <a:lnR w="12700" cap="flat" cmpd="sng" algn="ctr">
-                      <a:noFill/>
-                      <a:prstDash val="solid"/>
-                      <a:round/>
-                      <a:headEnd type="none" w="med" len="med"/>
-                      <a:tailEnd type="none" w="med" len="med"/>
-                    </a:lnR>
-                    <a:lnT w="12700" cap="flat" cmpd="sng" algn="ctr">
-                      <a:noFill/>
-                      <a:prstDash val="solid"/>
-                      <a:round/>
-                      <a:headEnd type="none" w="med" len="med"/>
-                      <a:tailEnd type="none" w="med" len="med"/>
-                    </a:lnT>
-                    <a:lnB w="12700" cap="flat" cmpd="sng" algn="ctr">
-                      <a:noFill/>
-                      <a:prstDash val="solid"/>
-                      <a:round/>
-                      <a:headEnd type="none" w="med" len="med"/>
-                      <a:tailEnd type="none" w="med" len="med"/>
-                    </a:lnB>
-                    <a:lnTlToBr w="12700" cmpd="sng">
-                      <a:noFill/>
-                      <a:prstDash val="solid"/>
-                    </a:lnTlToBr>
-                    <a:lnBlToTr w="12700" cmpd="sng">
-                      <a:noFill/>
-                      <a:prstDash val="solid"/>
-                    </a:lnBlToTr>
-                    <a:noFill/>
-                  </a:tcPr>
-                </a:tc>
-                <a:tc>
-                  <a:txBody>
-                    <a:bodyPr/>
-                    <a:lstStyle/>
-                    <a:p>
-                      <a:pPr algn="dist"/>
-                      <a:r>
-                        <a:rPr lang="zh-CN" altLang="en-US" sz="2800" b="1" i="0" baseline="0" dirty="0">
-                          <a:solidFill>
-                            <a:srgbClr val="002060"/>
-                          </a:solidFill>
-                          <a:latin typeface="Georgia" panose="02040502050405020303" pitchFamily="18" charset="0"/>
-                          <a:ea typeface="微软雅黑" panose="020B0503020204020204" pitchFamily="34" charset="-122"/>
-                        </a:rPr>
-                        <a:t>：</a:t>
-                      </a:r>
-                    </a:p>
-                  </a:txBody>
-                  <a:tcPr>
-                    <a:lnL w="12700" cap="flat" cmpd="sng" algn="ctr">
-                      <a:noFill/>
-                      <a:prstDash val="solid"/>
-                      <a:round/>
-                      <a:headEnd type="none" w="med" len="med"/>
-                      <a:tailEnd type="none" w="med" len="med"/>
-                    </a:lnL>
-                    <a:lnR w="12700" cap="flat" cmpd="sng" algn="ctr">
-                      <a:noFill/>
-                      <a:prstDash val="solid"/>
-                      <a:round/>
-                      <a:headEnd type="none" w="med" len="med"/>
-                      <a:tailEnd type="none" w="med" len="med"/>
-                    </a:lnR>
-                    <a:lnT w="12700" cap="flat" cmpd="sng" algn="ctr">
-                      <a:noFill/>
-                      <a:prstDash val="solid"/>
-                      <a:round/>
-                      <a:headEnd type="none" w="med" len="med"/>
-                      <a:tailEnd type="none" w="med" len="med"/>
-                    </a:lnT>
-                    <a:lnB w="12700" cap="flat" cmpd="sng" algn="ctr">
-                      <a:noFill/>
-                      <a:prstDash val="solid"/>
-                      <a:round/>
-                      <a:headEnd type="none" w="med" len="med"/>
-                      <a:tailEnd type="none" w="med" len="med"/>
-                    </a:lnB>
-                    <a:lnTlToBr w="12700" cmpd="sng">
-                      <a:noFill/>
-                      <a:prstDash val="solid"/>
-                    </a:lnTlToBr>
-                    <a:lnBlToTr w="12700" cmpd="sng">
-                      <a:noFill/>
-                      <a:prstDash val="solid"/>
-                    </a:lnBlToTr>
-                    <a:noFill/>
-                  </a:tcPr>
-                </a:tc>
-                <a:tc>
-                  <a:txBody>
-                    <a:bodyPr/>
-                    <a:lstStyle/>
-                    <a:p>
-                      <a:pPr algn="ctr"/>
-                      <a:r>
-                        <a:rPr lang="zh-CN" altLang="en-US" sz="2800" b="1" i="0" baseline="0" dirty="0">
-                          <a:solidFill>
-                            <a:srgbClr val="002060"/>
-                          </a:solidFill>
-                          <a:latin typeface="Georgia" panose="02040502050405020303" pitchFamily="18" charset="0"/>
-                          <a:ea typeface="微软雅黑" panose="020B0503020204020204" pitchFamily="34" charset="-122"/>
-                        </a:rPr>
-                        <a:t>周泽兵  教授</a:t>
-                      </a:r>
-                    </a:p>
-                  </a:txBody>
-                  <a:tcPr>
-                    <a:lnL w="12700" cap="flat" cmpd="sng" algn="ctr">
-                      <a:noFill/>
-                      <a:prstDash val="solid"/>
-                      <a:round/>
-                      <a:headEnd type="none" w="med" len="med"/>
-                      <a:tailEnd type="none" w="med" len="med"/>
-                    </a:lnL>
-                    <a:lnR w="12700" cap="flat" cmpd="sng" algn="ctr">
-                      <a:noFill/>
-                      <a:prstDash val="solid"/>
-                      <a:round/>
-                      <a:headEnd type="none" w="med" len="med"/>
-                      <a:tailEnd type="none" w="med" len="med"/>
-                    </a:lnR>
-                    <a:lnT w="12700" cap="flat" cmpd="sng" algn="ctr">
-                      <a:noFill/>
-                      <a:prstDash val="solid"/>
-                      <a:round/>
-                      <a:headEnd type="none" w="med" len="med"/>
-                      <a:tailEnd type="none" w="med" len="med"/>
-                    </a:lnT>
-                    <a:lnB w="12700" cap="flat" cmpd="sng" algn="ctr">
-                      <a:noFill/>
-                      <a:prstDash val="solid"/>
-                      <a:round/>
-                      <a:headEnd type="none" w="med" len="med"/>
-                      <a:tailEnd type="none" w="med" len="med"/>
-                    </a:lnB>
-                    <a:lnTlToBr w="12700" cmpd="sng">
-                      <a:noFill/>
-                      <a:prstDash val="solid"/>
-                    </a:lnTlToBr>
-                    <a:lnBlToTr w="12700" cmpd="sng">
-                      <a:noFill/>
-                      <a:prstDash val="solid"/>
-                    </a:lnBlToTr>
-                    <a:noFill/>
-                  </a:tcPr>
-                </a:tc>
-                <a:extLst>
-                  <a:ext uri="{0D108BD9-81ED-4DB2-BD59-A6C34878D82A}">
-                    <a16:rowId xmlns:a16="http://schemas.microsoft.com/office/drawing/2014/main" val="2688778256"/>
-                  </a:ext>
-                </a:extLst>
-              </a:tr>
               <a:tr h="610238">
                 <a:tc gridSpan="3">
                   <a:txBody>
@@ -4647,7 +4466,7 @@
                           <a:latin typeface="微软雅黑" panose="020B0503020204020204" pitchFamily="34" charset="-122"/>
                           <a:ea typeface="微软雅黑" panose="020B0503020204020204" pitchFamily="34" charset="-122"/>
                         </a:rPr>
-                        <a:t>6</a:t>
+                        <a:t>10</a:t>
                       </a:r>
                       <a:r>
                         <a:rPr lang="zh-CN" altLang="en-US" sz="2800" b="1" i="0" baseline="0">
@@ -4667,7 +4486,7 @@
                           <a:latin typeface="微软雅黑" panose="020B0503020204020204" pitchFamily="34" charset="-122"/>
                           <a:ea typeface="微软雅黑" panose="020B0503020204020204" pitchFamily="34" charset="-122"/>
                         </a:rPr>
-                        <a:t>1</a:t>
+                        <a:t>31</a:t>
                       </a:r>
                       <a:r>
                         <a:rPr lang="zh-CN" altLang="en-US" sz="2800" b="1" i="0" baseline="0">
@@ -7314,7 +7133,7 @@
           <a:graphicData uri="http://schemas.openxmlformats.org/presentationml/2006/ole">
             <mc:AlternateContent xmlns:mc="http://schemas.openxmlformats.org/markup-compatibility/2006">
               <mc:Choice xmlns:v="urn:schemas-microsoft-com:vml" Requires="v">
-                <p:oleObj spid="_x0000_s1548" name="Equation" r:id="rId5" imgW="1688760" imgH="304560" progId="Equation.DSMT4">
+                <p:oleObj spid="_x0000_s1560" name="Equation" r:id="rId5" imgW="1688760" imgH="304560" progId="Equation.DSMT4">
                   <p:embed/>
                 </p:oleObj>
               </mc:Choice>
@@ -7928,7 +7747,7 @@
           <a:graphicData uri="http://schemas.openxmlformats.org/presentationml/2006/ole">
             <mc:AlternateContent xmlns:mc="http://schemas.openxmlformats.org/markup-compatibility/2006">
               <mc:Choice xmlns:v="urn:schemas-microsoft-com:vml" Requires="v">
-                <p:oleObj spid="_x0000_s1549" name="Equation" r:id="rId7" imgW="1638000" imgH="253800" progId="Equation.DSMT4">
+                <p:oleObj spid="_x0000_s1561" name="Equation" r:id="rId7" imgW="1638000" imgH="253800" progId="Equation.DSMT4">
                   <p:embed/>
                 </p:oleObj>
               </mc:Choice>
@@ -7997,7 +7816,7 @@
           <a:graphicData uri="http://schemas.openxmlformats.org/presentationml/2006/ole">
             <mc:AlternateContent xmlns:mc="http://schemas.openxmlformats.org/markup-compatibility/2006">
               <mc:Choice xmlns:v="urn:schemas-microsoft-com:vml" Requires="v">
-                <p:oleObj spid="_x0000_s1550" name="Equation" r:id="rId9" imgW="1726920" imgH="291960" progId="Equation.DSMT4">
+                <p:oleObj spid="_x0000_s1562" name="Equation" r:id="rId9" imgW="1726920" imgH="291960" progId="Equation.DSMT4">
                   <p:embed/>
                 </p:oleObj>
               </mc:Choice>
@@ -8112,7 +7931,7 @@
           <a:graphicData uri="http://schemas.openxmlformats.org/presentationml/2006/ole">
             <mc:AlternateContent xmlns:mc="http://schemas.openxmlformats.org/markup-compatibility/2006">
               <mc:Choice xmlns:v="urn:schemas-microsoft-com:vml" Requires="v">
-                <p:oleObj spid="_x0000_s1551" name="Equation" r:id="rId11" imgW="685800" imgH="291960" progId="Equation.DSMT4">
+                <p:oleObj spid="_x0000_s1563" name="Equation" r:id="rId11" imgW="685800" imgH="291960" progId="Equation.DSMT4">
                   <p:embed/>
                 </p:oleObj>
               </mc:Choice>
@@ -8227,7 +8046,7 @@
           <a:graphicData uri="http://schemas.openxmlformats.org/presentationml/2006/ole">
             <mc:AlternateContent xmlns:mc="http://schemas.openxmlformats.org/markup-compatibility/2006">
               <mc:Choice xmlns:v="urn:schemas-microsoft-com:vml" Requires="v">
-                <p:oleObj spid="_x0000_s1552" name="Equation" r:id="rId13" imgW="1257120" imgH="330120" progId="Equation.DSMT4">
+                <p:oleObj spid="_x0000_s1564" name="Equation" r:id="rId13" imgW="1257120" imgH="330120" progId="Equation.DSMT4">
                   <p:embed/>
                 </p:oleObj>
               </mc:Choice>
@@ -8296,7 +8115,7 @@
           <a:graphicData uri="http://schemas.openxmlformats.org/presentationml/2006/ole">
             <mc:AlternateContent xmlns:mc="http://schemas.openxmlformats.org/markup-compatibility/2006">
               <mc:Choice xmlns:v="urn:schemas-microsoft-com:vml" Requires="v">
-                <p:oleObj spid="_x0000_s1553" name="Equation" r:id="rId15" imgW="2705040" imgH="838080" progId="Equation.DSMT4">
+                <p:oleObj spid="_x0000_s1565" name="Equation" r:id="rId15" imgW="2705040" imgH="838080" progId="Equation.DSMT4">
                   <p:embed/>
                 </p:oleObj>
               </mc:Choice>
@@ -9249,7 +9068,7 @@
           <a:graphicData uri="http://schemas.openxmlformats.org/presentationml/2006/ole">
             <mc:AlternateContent xmlns:mc="http://schemas.openxmlformats.org/markup-compatibility/2006">
               <mc:Choice xmlns:v="urn:schemas-microsoft-com:vml" Requires="v">
-                <p:oleObj spid="_x0000_s2462" name="Equation" r:id="rId4" imgW="6235560" imgH="355320" progId="Equation.DSMT4">
+                <p:oleObj spid="_x0000_s2472" name="Equation" r:id="rId4" imgW="6235560" imgH="355320" progId="Equation.DSMT4">
                   <p:embed/>
                 </p:oleObj>
               </mc:Choice>
@@ -9597,7 +9416,7 @@
           <a:graphicData uri="http://schemas.openxmlformats.org/presentationml/2006/ole">
             <mc:AlternateContent xmlns:mc="http://schemas.openxmlformats.org/markup-compatibility/2006">
               <mc:Choice xmlns:v="urn:schemas-microsoft-com:vml" Requires="v">
-                <p:oleObj spid="_x0000_s2463" name="Equation" r:id="rId6" imgW="6464160" imgH="431640" progId="Equation.DSMT4">
+                <p:oleObj spid="_x0000_s2473" name="Equation" r:id="rId6" imgW="6464160" imgH="431640" progId="Equation.DSMT4">
                   <p:embed/>
                 </p:oleObj>
               </mc:Choice>
@@ -9666,7 +9485,7 @@
           <a:graphicData uri="http://schemas.openxmlformats.org/presentationml/2006/ole">
             <mc:AlternateContent xmlns:mc="http://schemas.openxmlformats.org/markup-compatibility/2006">
               <mc:Choice xmlns:v="urn:schemas-microsoft-com:vml" Requires="v">
-                <p:oleObj spid="_x0000_s2464" name="Equation" r:id="rId8" imgW="4178160" imgH="711000" progId="Equation.DSMT4">
+                <p:oleObj spid="_x0000_s2474" name="Equation" r:id="rId8" imgW="4178160" imgH="711000" progId="Equation.DSMT4">
                   <p:embed/>
                 </p:oleObj>
               </mc:Choice>
@@ -9861,7 +9680,7 @@
           <a:graphicData uri="http://schemas.openxmlformats.org/presentationml/2006/ole">
             <mc:AlternateContent xmlns:mc="http://schemas.openxmlformats.org/markup-compatibility/2006">
               <mc:Choice xmlns:v="urn:schemas-microsoft-com:vml" Requires="v">
-                <p:oleObj spid="_x0000_s2465" name="Equation" r:id="rId10" imgW="1688760" imgH="304560" progId="Equation.DSMT4">
+                <p:oleObj spid="_x0000_s2475" name="Equation" r:id="rId10" imgW="1688760" imgH="304560" progId="Equation.DSMT4">
                   <p:embed/>
                 </p:oleObj>
               </mc:Choice>
@@ -9930,7 +9749,7 @@
           <a:graphicData uri="http://schemas.openxmlformats.org/presentationml/2006/ole">
             <mc:AlternateContent xmlns:mc="http://schemas.openxmlformats.org/markup-compatibility/2006">
               <mc:Choice xmlns:v="urn:schemas-microsoft-com:vml" Requires="v">
-                <p:oleObj spid="_x0000_s2466" name="Equation" r:id="rId12" imgW="2184120" imgH="609480" progId="Equation.DSMT4">
+                <p:oleObj spid="_x0000_s2476" name="Equation" r:id="rId12" imgW="2184120" imgH="609480" progId="Equation.DSMT4">
                   <p:embed/>
                 </p:oleObj>
               </mc:Choice>
@@ -10611,7 +10430,7 @@
           <a:graphicData uri="http://schemas.openxmlformats.org/presentationml/2006/ole">
             <mc:AlternateContent xmlns:mc="http://schemas.openxmlformats.org/markup-compatibility/2006">
               <mc:Choice xmlns:v="urn:schemas-microsoft-com:vml" Requires="v">
-                <p:oleObj spid="_x0000_s3203" name="Equation" r:id="rId6" imgW="787320" imgH="241200" progId="Equation.DSMT4">
+                <p:oleObj spid="_x0000_s3207" name="Equation" r:id="rId6" imgW="787320" imgH="241200" progId="Equation.DSMT4">
                   <p:embed/>
                 </p:oleObj>
               </mc:Choice>
@@ -10680,7 +10499,7 @@
           <a:graphicData uri="http://schemas.openxmlformats.org/presentationml/2006/ole">
             <mc:AlternateContent xmlns:mc="http://schemas.openxmlformats.org/markup-compatibility/2006">
               <mc:Choice xmlns:v="urn:schemas-microsoft-com:vml" Requires="v">
-                <p:oleObj spid="_x0000_s3204" name="Equation" r:id="rId8" imgW="1371600" imgH="609480" progId="Equation.DSMT4">
+                <p:oleObj spid="_x0000_s3208" name="Equation" r:id="rId8" imgW="1371600" imgH="609480" progId="Equation.DSMT4">
                   <p:embed/>
                 </p:oleObj>
               </mc:Choice>
@@ -11935,7 +11754,7 @@
           <a:graphicData uri="http://schemas.openxmlformats.org/presentationml/2006/ole">
             <mc:AlternateContent xmlns:mc="http://schemas.openxmlformats.org/markup-compatibility/2006">
               <mc:Choice xmlns:v="urn:schemas-microsoft-com:vml" Requires="v">
-                <p:oleObj spid="_x0000_s4476" name="Equation" r:id="rId5" imgW="1701720" imgH="253800" progId="Equation.DSMT4">
+                <p:oleObj spid="_x0000_s4490" name="Equation" r:id="rId5" imgW="1701720" imgH="253800" progId="Equation.DSMT4">
                   <p:embed/>
                 </p:oleObj>
               </mc:Choice>
@@ -12050,7 +11869,7 @@
           <a:graphicData uri="http://schemas.openxmlformats.org/presentationml/2006/ole">
             <mc:AlternateContent xmlns:mc="http://schemas.openxmlformats.org/markup-compatibility/2006">
               <mc:Choice xmlns:v="urn:schemas-microsoft-com:vml" Requires="v">
-                <p:oleObj spid="_x0000_s4477" name="Equation" r:id="rId7" imgW="939600" imgH="241200" progId="Equation.DSMT4">
+                <p:oleObj spid="_x0000_s4491" name="Equation" r:id="rId7" imgW="939600" imgH="241200" progId="Equation.DSMT4">
                   <p:embed/>
                 </p:oleObj>
               </mc:Choice>
@@ -12119,7 +11938,7 @@
           <a:graphicData uri="http://schemas.openxmlformats.org/presentationml/2006/ole">
             <mc:AlternateContent xmlns:mc="http://schemas.openxmlformats.org/markup-compatibility/2006">
               <mc:Choice xmlns:v="urn:schemas-microsoft-com:vml" Requires="v">
-                <p:oleObj spid="_x0000_s4478" name="Equation" r:id="rId9" imgW="1041120" imgH="609480" progId="Equation.DSMT4">
+                <p:oleObj spid="_x0000_s4492" name="Equation" r:id="rId9" imgW="1041120" imgH="609480" progId="Equation.DSMT4">
                   <p:embed/>
                 </p:oleObj>
               </mc:Choice>
@@ -12476,7 +12295,7 @@
           <a:graphicData uri="http://schemas.openxmlformats.org/presentationml/2006/ole">
             <mc:AlternateContent xmlns:mc="http://schemas.openxmlformats.org/markup-compatibility/2006">
               <mc:Choice xmlns:v="urn:schemas-microsoft-com:vml" Requires="v">
-                <p:oleObj spid="_x0000_s4479" name="Equation" r:id="rId11" imgW="2869920" imgH="482400" progId="Equation.DSMT4">
+                <p:oleObj spid="_x0000_s4493" name="Equation" r:id="rId11" imgW="2869920" imgH="482400" progId="Equation.DSMT4">
                   <p:embed/>
                 </p:oleObj>
               </mc:Choice>
@@ -12643,7 +12462,7 @@
           <a:graphicData uri="http://schemas.openxmlformats.org/presentationml/2006/ole">
             <mc:AlternateContent xmlns:mc="http://schemas.openxmlformats.org/markup-compatibility/2006">
               <mc:Choice xmlns:v="urn:schemas-microsoft-com:vml" Requires="v">
-                <p:oleObj spid="_x0000_s4480" name="Equation" r:id="rId13" imgW="939600" imgH="241200" progId="Equation.DSMT4">
+                <p:oleObj spid="_x0000_s4494" name="Equation" r:id="rId13" imgW="939600" imgH="241200" progId="Equation.DSMT4">
                   <p:embed/>
                 </p:oleObj>
               </mc:Choice>
@@ -12712,7 +12531,7 @@
           <a:graphicData uri="http://schemas.openxmlformats.org/presentationml/2006/ole">
             <mc:AlternateContent xmlns:mc="http://schemas.openxmlformats.org/markup-compatibility/2006">
               <mc:Choice xmlns:v="urn:schemas-microsoft-com:vml" Requires="v">
-                <p:oleObj spid="_x0000_s4481" name="Equation" r:id="rId14" imgW="1765080" imgH="609480" progId="Equation.DSMT4">
+                <p:oleObj spid="_x0000_s4495" name="Equation" r:id="rId14" imgW="1765080" imgH="609480" progId="Equation.DSMT4">
                   <p:embed/>
                 </p:oleObj>
               </mc:Choice>
@@ -12781,7 +12600,7 @@
           <a:graphicData uri="http://schemas.openxmlformats.org/presentationml/2006/ole">
             <mc:AlternateContent xmlns:mc="http://schemas.openxmlformats.org/markup-compatibility/2006">
               <mc:Choice xmlns:v="urn:schemas-microsoft-com:vml" Requires="v">
-                <p:oleObj spid="_x0000_s4482" name="Equation" r:id="rId16" imgW="1091880" imgH="431640" progId="Equation.DSMT4">
+                <p:oleObj spid="_x0000_s4496" name="Equation" r:id="rId16" imgW="1091880" imgH="431640" progId="Equation.DSMT4">
                   <p:embed/>
                 </p:oleObj>
               </mc:Choice>

--- a/Reference/控制系统简介.pptx
+++ b/Reference/控制系统简介.pptx
@@ -7133,7 +7133,7 @@
           <a:graphicData uri="http://schemas.openxmlformats.org/presentationml/2006/ole">
             <mc:AlternateContent xmlns:mc="http://schemas.openxmlformats.org/markup-compatibility/2006">
               <mc:Choice xmlns:v="urn:schemas-microsoft-com:vml" Requires="v">
-                <p:oleObj spid="_x0000_s1560" name="Equation" r:id="rId5" imgW="1688760" imgH="304560" progId="Equation.DSMT4">
+                <p:oleObj spid="_x0000_s1572" name="Equation" r:id="rId5" imgW="1688760" imgH="304560" progId="Equation.DSMT4">
                   <p:embed/>
                 </p:oleObj>
               </mc:Choice>
@@ -7747,7 +7747,7 @@
           <a:graphicData uri="http://schemas.openxmlformats.org/presentationml/2006/ole">
             <mc:AlternateContent xmlns:mc="http://schemas.openxmlformats.org/markup-compatibility/2006">
               <mc:Choice xmlns:v="urn:schemas-microsoft-com:vml" Requires="v">
-                <p:oleObj spid="_x0000_s1561" name="Equation" r:id="rId7" imgW="1638000" imgH="253800" progId="Equation.DSMT4">
+                <p:oleObj spid="_x0000_s1573" name="Equation" r:id="rId7" imgW="1638000" imgH="253800" progId="Equation.DSMT4">
                   <p:embed/>
                 </p:oleObj>
               </mc:Choice>
@@ -7816,7 +7816,7 @@
           <a:graphicData uri="http://schemas.openxmlformats.org/presentationml/2006/ole">
             <mc:AlternateContent xmlns:mc="http://schemas.openxmlformats.org/markup-compatibility/2006">
               <mc:Choice xmlns:v="urn:schemas-microsoft-com:vml" Requires="v">
-                <p:oleObj spid="_x0000_s1562" name="Equation" r:id="rId9" imgW="1726920" imgH="291960" progId="Equation.DSMT4">
+                <p:oleObj spid="_x0000_s1574" name="Equation" r:id="rId9" imgW="1726920" imgH="291960" progId="Equation.DSMT4">
                   <p:embed/>
                 </p:oleObj>
               </mc:Choice>
@@ -7931,7 +7931,7 @@
           <a:graphicData uri="http://schemas.openxmlformats.org/presentationml/2006/ole">
             <mc:AlternateContent xmlns:mc="http://schemas.openxmlformats.org/markup-compatibility/2006">
               <mc:Choice xmlns:v="urn:schemas-microsoft-com:vml" Requires="v">
-                <p:oleObj spid="_x0000_s1563" name="Equation" r:id="rId11" imgW="685800" imgH="291960" progId="Equation.DSMT4">
+                <p:oleObj spid="_x0000_s1575" name="Equation" r:id="rId11" imgW="685800" imgH="291960" progId="Equation.DSMT4">
                   <p:embed/>
                 </p:oleObj>
               </mc:Choice>
@@ -8046,7 +8046,7 @@
           <a:graphicData uri="http://schemas.openxmlformats.org/presentationml/2006/ole">
             <mc:AlternateContent xmlns:mc="http://schemas.openxmlformats.org/markup-compatibility/2006">
               <mc:Choice xmlns:v="urn:schemas-microsoft-com:vml" Requires="v">
-                <p:oleObj spid="_x0000_s1564" name="Equation" r:id="rId13" imgW="1257120" imgH="330120" progId="Equation.DSMT4">
+                <p:oleObj spid="_x0000_s1576" name="Equation" r:id="rId13" imgW="1257120" imgH="330120" progId="Equation.DSMT4">
                   <p:embed/>
                 </p:oleObj>
               </mc:Choice>
@@ -8115,7 +8115,7 @@
           <a:graphicData uri="http://schemas.openxmlformats.org/presentationml/2006/ole">
             <mc:AlternateContent xmlns:mc="http://schemas.openxmlformats.org/markup-compatibility/2006">
               <mc:Choice xmlns:v="urn:schemas-microsoft-com:vml" Requires="v">
-                <p:oleObj spid="_x0000_s1565" name="Equation" r:id="rId15" imgW="2705040" imgH="838080" progId="Equation.DSMT4">
+                <p:oleObj spid="_x0000_s1577" name="Equation" r:id="rId15" imgW="2705040" imgH="838080" progId="Equation.DSMT4">
                   <p:embed/>
                 </p:oleObj>
               </mc:Choice>
@@ -9068,7 +9068,7 @@
           <a:graphicData uri="http://schemas.openxmlformats.org/presentationml/2006/ole">
             <mc:AlternateContent xmlns:mc="http://schemas.openxmlformats.org/markup-compatibility/2006">
               <mc:Choice xmlns:v="urn:schemas-microsoft-com:vml" Requires="v">
-                <p:oleObj spid="_x0000_s2472" name="Equation" r:id="rId4" imgW="6235560" imgH="355320" progId="Equation.DSMT4">
+                <p:oleObj spid="_x0000_s2482" name="Equation" r:id="rId4" imgW="6235560" imgH="355320" progId="Equation.DSMT4">
                   <p:embed/>
                 </p:oleObj>
               </mc:Choice>
@@ -9416,7 +9416,7 @@
           <a:graphicData uri="http://schemas.openxmlformats.org/presentationml/2006/ole">
             <mc:AlternateContent xmlns:mc="http://schemas.openxmlformats.org/markup-compatibility/2006">
               <mc:Choice xmlns:v="urn:schemas-microsoft-com:vml" Requires="v">
-                <p:oleObj spid="_x0000_s2473" name="Equation" r:id="rId6" imgW="6464160" imgH="431640" progId="Equation.DSMT4">
+                <p:oleObj spid="_x0000_s2483" name="Equation" r:id="rId6" imgW="6464160" imgH="431640" progId="Equation.DSMT4">
                   <p:embed/>
                 </p:oleObj>
               </mc:Choice>
@@ -9485,7 +9485,7 @@
           <a:graphicData uri="http://schemas.openxmlformats.org/presentationml/2006/ole">
             <mc:AlternateContent xmlns:mc="http://schemas.openxmlformats.org/markup-compatibility/2006">
               <mc:Choice xmlns:v="urn:schemas-microsoft-com:vml" Requires="v">
-                <p:oleObj spid="_x0000_s2474" name="Equation" r:id="rId8" imgW="4178160" imgH="711000" progId="Equation.DSMT4">
+                <p:oleObj spid="_x0000_s2484" name="Equation" r:id="rId8" imgW="4178160" imgH="711000" progId="Equation.DSMT4">
                   <p:embed/>
                 </p:oleObj>
               </mc:Choice>
@@ -9680,7 +9680,7 @@
           <a:graphicData uri="http://schemas.openxmlformats.org/presentationml/2006/ole">
             <mc:AlternateContent xmlns:mc="http://schemas.openxmlformats.org/markup-compatibility/2006">
               <mc:Choice xmlns:v="urn:schemas-microsoft-com:vml" Requires="v">
-                <p:oleObj spid="_x0000_s2475" name="Equation" r:id="rId10" imgW="1688760" imgH="304560" progId="Equation.DSMT4">
+                <p:oleObj spid="_x0000_s2485" name="Equation" r:id="rId10" imgW="1688760" imgH="304560" progId="Equation.DSMT4">
                   <p:embed/>
                 </p:oleObj>
               </mc:Choice>
@@ -9749,7 +9749,7 @@
           <a:graphicData uri="http://schemas.openxmlformats.org/presentationml/2006/ole">
             <mc:AlternateContent xmlns:mc="http://schemas.openxmlformats.org/markup-compatibility/2006">
               <mc:Choice xmlns:v="urn:schemas-microsoft-com:vml" Requires="v">
-                <p:oleObj spid="_x0000_s2476" name="Equation" r:id="rId12" imgW="2184120" imgH="609480" progId="Equation.DSMT4">
+                <p:oleObj spid="_x0000_s2486" name="Equation" r:id="rId12" imgW="2184120" imgH="609480" progId="Equation.DSMT4">
                   <p:embed/>
                 </p:oleObj>
               </mc:Choice>
@@ -10430,7 +10430,7 @@
           <a:graphicData uri="http://schemas.openxmlformats.org/presentationml/2006/ole">
             <mc:AlternateContent xmlns:mc="http://schemas.openxmlformats.org/markup-compatibility/2006">
               <mc:Choice xmlns:v="urn:schemas-microsoft-com:vml" Requires="v">
-                <p:oleObj spid="_x0000_s3207" name="Equation" r:id="rId6" imgW="787320" imgH="241200" progId="Equation.DSMT4">
+                <p:oleObj spid="_x0000_s3211" name="Equation" r:id="rId6" imgW="787320" imgH="241200" progId="Equation.DSMT4">
                   <p:embed/>
                 </p:oleObj>
               </mc:Choice>
@@ -10499,7 +10499,7 @@
           <a:graphicData uri="http://schemas.openxmlformats.org/presentationml/2006/ole">
             <mc:AlternateContent xmlns:mc="http://schemas.openxmlformats.org/markup-compatibility/2006">
               <mc:Choice xmlns:v="urn:schemas-microsoft-com:vml" Requires="v">
-                <p:oleObj spid="_x0000_s3208" name="Equation" r:id="rId8" imgW="1371600" imgH="609480" progId="Equation.DSMT4">
+                <p:oleObj spid="_x0000_s3212" name="Equation" r:id="rId8" imgW="1371600" imgH="609480" progId="Equation.DSMT4">
                   <p:embed/>
                 </p:oleObj>
               </mc:Choice>
@@ -11754,7 +11754,7 @@
           <a:graphicData uri="http://schemas.openxmlformats.org/presentationml/2006/ole">
             <mc:AlternateContent xmlns:mc="http://schemas.openxmlformats.org/markup-compatibility/2006">
               <mc:Choice xmlns:v="urn:schemas-microsoft-com:vml" Requires="v">
-                <p:oleObj spid="_x0000_s4490" name="Equation" r:id="rId5" imgW="1701720" imgH="253800" progId="Equation.DSMT4">
+                <p:oleObj spid="_x0000_s4504" name="Equation" r:id="rId5" imgW="1701720" imgH="253800" progId="Equation.DSMT4">
                   <p:embed/>
                 </p:oleObj>
               </mc:Choice>
@@ -11869,7 +11869,7 @@
           <a:graphicData uri="http://schemas.openxmlformats.org/presentationml/2006/ole">
             <mc:AlternateContent xmlns:mc="http://schemas.openxmlformats.org/markup-compatibility/2006">
               <mc:Choice xmlns:v="urn:schemas-microsoft-com:vml" Requires="v">
-                <p:oleObj spid="_x0000_s4491" name="Equation" r:id="rId7" imgW="939600" imgH="241200" progId="Equation.DSMT4">
+                <p:oleObj spid="_x0000_s4505" name="Equation" r:id="rId7" imgW="939600" imgH="241200" progId="Equation.DSMT4">
                   <p:embed/>
                 </p:oleObj>
               </mc:Choice>
@@ -11938,7 +11938,7 @@
           <a:graphicData uri="http://schemas.openxmlformats.org/presentationml/2006/ole">
             <mc:AlternateContent xmlns:mc="http://schemas.openxmlformats.org/markup-compatibility/2006">
               <mc:Choice xmlns:v="urn:schemas-microsoft-com:vml" Requires="v">
-                <p:oleObj spid="_x0000_s4492" name="Equation" r:id="rId9" imgW="1041120" imgH="609480" progId="Equation.DSMT4">
+                <p:oleObj spid="_x0000_s4506" name="Equation" r:id="rId9" imgW="1041120" imgH="609480" progId="Equation.DSMT4">
                   <p:embed/>
                 </p:oleObj>
               </mc:Choice>
@@ -12295,7 +12295,7 @@
           <a:graphicData uri="http://schemas.openxmlformats.org/presentationml/2006/ole">
             <mc:AlternateContent xmlns:mc="http://schemas.openxmlformats.org/markup-compatibility/2006">
               <mc:Choice xmlns:v="urn:schemas-microsoft-com:vml" Requires="v">
-                <p:oleObj spid="_x0000_s4493" name="Equation" r:id="rId11" imgW="2869920" imgH="482400" progId="Equation.DSMT4">
+                <p:oleObj spid="_x0000_s4507" name="Equation" r:id="rId11" imgW="2869920" imgH="482400" progId="Equation.DSMT4">
                   <p:embed/>
                 </p:oleObj>
               </mc:Choice>
@@ -12462,7 +12462,7 @@
           <a:graphicData uri="http://schemas.openxmlformats.org/presentationml/2006/ole">
             <mc:AlternateContent xmlns:mc="http://schemas.openxmlformats.org/markup-compatibility/2006">
               <mc:Choice xmlns:v="urn:schemas-microsoft-com:vml" Requires="v">
-                <p:oleObj spid="_x0000_s4494" name="Equation" r:id="rId13" imgW="939600" imgH="241200" progId="Equation.DSMT4">
+                <p:oleObj spid="_x0000_s4508" name="Equation" r:id="rId13" imgW="939600" imgH="241200" progId="Equation.DSMT4">
                   <p:embed/>
                 </p:oleObj>
               </mc:Choice>
@@ -12531,7 +12531,7 @@
           <a:graphicData uri="http://schemas.openxmlformats.org/presentationml/2006/ole">
             <mc:AlternateContent xmlns:mc="http://schemas.openxmlformats.org/markup-compatibility/2006">
               <mc:Choice xmlns:v="urn:schemas-microsoft-com:vml" Requires="v">
-                <p:oleObj spid="_x0000_s4495" name="Equation" r:id="rId14" imgW="1765080" imgH="609480" progId="Equation.DSMT4">
+                <p:oleObj spid="_x0000_s4509" name="Equation" r:id="rId14" imgW="1765080" imgH="609480" progId="Equation.DSMT4">
                   <p:embed/>
                 </p:oleObj>
               </mc:Choice>
@@ -12600,7 +12600,7 @@
           <a:graphicData uri="http://schemas.openxmlformats.org/presentationml/2006/ole">
             <mc:AlternateContent xmlns:mc="http://schemas.openxmlformats.org/markup-compatibility/2006">
               <mc:Choice xmlns:v="urn:schemas-microsoft-com:vml" Requires="v">
-                <p:oleObj spid="_x0000_s4496" name="Equation" r:id="rId16" imgW="1091880" imgH="431640" progId="Equation.DSMT4">
+                <p:oleObj spid="_x0000_s4510" name="Equation" r:id="rId16" imgW="1091880" imgH="431640" progId="Equation.DSMT4">
                   <p:embed/>
                 </p:oleObj>
               </mc:Choice>
@@ -14110,7 +14110,7 @@
                 <a:ea typeface="微软雅黑" panose="020B0503020204020204" pitchFamily="34" charset="-122"/>
                 <a:cs typeface="+mj-cs"/>
               </a:rPr>
-              <a:t>示例：静电加速度计设计与仿真</a:t>
+              <a:t>示例：负弹簧建模与仿真</a:t>
             </a:r>
             <a:endParaRPr lang="zh-CN" altLang="en-US" sz="3200" b="1" kern="0" dirty="0">
               <a:solidFill>
